--- a/#10_Python_OOP.pptx
+++ b/#10_Python_OOP.pptx
@@ -11831,37 +11831,37 @@
           <a:lstStyle/>
           <a:p>
             <a:r>
-              <a:rPr lang="en-US" sz="2400"/>
+              <a:rPr lang="en-US" sz="2400" dirty="0"/>
               <a:t>A constructor is a special type of method (function) which is used to initialize the instance members of the class.</a:t>
             </a:r>
           </a:p>
           <a:p>
-            <a:endParaRPr lang="en-US" sz="2400"/>
+            <a:endParaRPr lang="en-US" sz="2400" dirty="0"/>
           </a:p>
           <a:p>
             <a:r>
-              <a:rPr lang="en-US" sz="2400"/>
+              <a:rPr lang="en-US" sz="2400" dirty="0"/>
               <a:t>There are two types of Constructors.</a:t>
             </a:r>
           </a:p>
           <a:p>
             <a:r>
-              <a:rPr lang="en-US" sz="2400"/>
+              <a:rPr lang="en-US" sz="2400" dirty="0"/>
               <a:t>1) Parameterized Constructor</a:t>
             </a:r>
           </a:p>
           <a:p>
             <a:r>
-              <a:rPr lang="en-US" sz="2400"/>
+              <a:rPr lang="en-US" sz="2400" dirty="0"/>
               <a:t>2) Non-parameterized Constructor</a:t>
             </a:r>
           </a:p>
           <a:p>
-            <a:endParaRPr lang="en-US" sz="2400"/>
+            <a:endParaRPr lang="en-US" sz="2400" dirty="0"/>
           </a:p>
           <a:p>
             <a:r>
-              <a:rPr lang="en-US" sz="2400"/>
+              <a:rPr lang="en-US" sz="2400" dirty="0"/>
               <a:t>Constructor definition is executed when we create the object of this class.</a:t>
             </a:r>
           </a:p>
@@ -11890,8 +11890,16 @@
           <a:lstStyle/>
           <a:p>
             <a:r>
-              <a:rPr lang="en-US" sz="2400" b="1"/>
-              <a:t>In python, the method __init__ simulates the constructor of the class. This method is called when the class is instantiated.</a:t>
+              <a:rPr lang="en-US" sz="2400" b="1" dirty="0"/>
+              <a:t>In python, the method __</a:t>
+            </a:r>
+            <a:r>
+              <a:rPr lang="en-US" sz="2400" b="1" dirty="0" err="1"/>
+              <a:t>init</a:t>
+            </a:r>
+            <a:r>
+              <a:rPr lang="en-US" sz="2400" b="1" dirty="0"/>
+              <a:t>__ simulates the constructor of the class. This method is called when the class is instantiated.</a:t>
             </a:r>
           </a:p>
         </p:txBody>
@@ -15664,14 +15672,10 @@
           <a:p>
             <a:r>
               <a:rPr lang="en-US" sz="3200" dirty="0"/>
-              <a:t>In Python, there </a:t>
+              <a:t>In Python, there are </a:t>
             </a:r>
             <a:r>
-              <a:rPr lang="en-US" sz="3200"/>
-              <a:t>are </a:t>
-            </a:r>
-            <a:r>
-              <a:rPr lang="en-US" sz="3200" smtClean="0"/>
+              <a:rPr lang="en-US" sz="3200" dirty="0" smtClean="0"/>
               <a:t>three types </a:t>
             </a:r>
             <a:r>
